--- a/class3/analyzing_data_lecture.pptx
+++ b/class3/analyzing_data_lecture.pptx
@@ -4170,7 +4170,7 @@
           <a:p>
             <a:r>
               <a:rPr lang="en-US" dirty="0"/>
-              <a:t>Chicago city salaries</a:t>
+              <a:t>DC 311 calls</a:t>
             </a:r>
           </a:p>
         </p:txBody>
@@ -4188,55 +4188,19 @@
         <p:spPr/>
         <p:txBody>
           <a:bodyPr>
-            <a:normAutofit fontScale="92500" lnSpcReduction="10000"/>
+            <a:normAutofit/>
           </a:bodyPr>
           <a:lstStyle/>
           <a:p>
             <a:r>
-              <a:rPr lang="en-US" dirty="0"/>
-              <a:t>Name </a:t>
-            </a:r>
-          </a:p>
-          <a:p>
-            <a:r>
-              <a:rPr lang="en-US" dirty="0"/>
-              <a:t>Job Titles</a:t>
-            </a:r>
-          </a:p>
-          <a:p>
-            <a:r>
-              <a:rPr lang="en-US" dirty="0"/>
-              <a:t> Department</a:t>
-            </a:r>
-          </a:p>
-          <a:p>
-            <a:r>
-              <a:rPr lang="en-US" dirty="0"/>
-              <a:t> Full or Part-Time</a:t>
-            </a:r>
-          </a:p>
-          <a:p>
-            <a:r>
-              <a:rPr lang="en-US" dirty="0"/>
-              <a:t> Salary or Hourly </a:t>
-            </a:r>
-          </a:p>
-          <a:p>
-            <a:r>
-              <a:rPr lang="en-US" dirty="0"/>
-              <a:t>Typical Hours </a:t>
-            </a:r>
-          </a:p>
-          <a:p>
-            <a:r>
-              <a:rPr lang="en-US" dirty="0"/>
-              <a:t>Annual Salary </a:t>
-            </a:r>
-          </a:p>
-          <a:p>
-            <a:r>
-              <a:rPr lang="en-US" dirty="0"/>
-              <a:t>Hourly Rate </a:t>
+              <a:rPr lang="en-US" dirty="0">
+                <a:hlinkClick r:id="rId2"/>
+              </a:rPr>
+              <a:t>https://dcatlas.dcgis.dc.gov/datacards/311/residential%20parking%20permit%20violation/8:years/citywide</a:t>
+            </a:r>
+            <a:r>
+              <a:rPr lang="en-US" dirty="0"/>
+              <a:t> </a:t>
             </a:r>
           </a:p>
         </p:txBody>
@@ -4288,7 +4252,7 @@
           <a:p>
             <a:r>
               <a:rPr lang="en-US" dirty="0"/>
-              <a:t>Chicago city salaries</a:t>
+              <a:t>DC 311 calls</a:t>
             </a:r>
           </a:p>
         </p:txBody>
@@ -4385,7 +4349,7 @@
           <a:p>
             <a:r>
               <a:rPr lang="en-US" dirty="0"/>
-              <a:t>Chicago city salaries</a:t>
+              <a:t>DC 311 calls</a:t>
             </a:r>
           </a:p>
         </p:txBody>
@@ -4503,7 +4467,7 @@
           <a:p>
             <a:r>
               <a:rPr lang="en-US" dirty="0"/>
-              <a:t>Chicago city salaries</a:t>
+              <a:t>DC 311 calls</a:t>
             </a:r>
           </a:p>
         </p:txBody>
